--- a/計算分析_Logistic Regression.pptx
+++ b/計算分析_Logistic Regression.pptx
@@ -5,7 +5,7 @@
     <p:sldMasterId id="2147483648" r:id="rId1"/>
   </p:sldMasterIdLst>
   <p:notesMasterIdLst>
-    <p:notesMasterId r:id="rId10"/>
+    <p:notesMasterId r:id="rId14"/>
   </p:notesMasterIdLst>
   <p:sldIdLst>
     <p:sldId id="256" r:id="rId2"/>
@@ -15,7 +15,11 @@
     <p:sldId id="259" r:id="rId6"/>
     <p:sldId id="262" r:id="rId7"/>
     <p:sldId id="260" r:id="rId8"/>
-    <p:sldId id="263" r:id="rId9"/>
+    <p:sldId id="264" r:id="rId9"/>
+    <p:sldId id="265" r:id="rId10"/>
+    <p:sldId id="266" r:id="rId11"/>
+    <p:sldId id="267" r:id="rId12"/>
+    <p:sldId id="263" r:id="rId13"/>
   </p:sldIdLst>
   <p:sldSz cx="12192000" cy="6858000"/>
   <p:notesSz cx="6858000" cy="9144000"/>
@@ -204,7 +208,7 @@
           <a:p>
             <a:fld id="{B64B1657-1216-4CCD-A76F-A13939741607}" type="datetimeFigureOut">
               <a:rPr lang="zh-TW" altLang="en-US" smtClean="0"/>
-              <a:t>2017/5/24</a:t>
+              <a:t>2017/5/31</a:t>
             </a:fld>
             <a:endParaRPr lang="zh-TW" altLang="en-US"/>
           </a:p>
@@ -538,19 +542,7 @@
                 <a:ea typeface="+mn-ea"/>
                 <a:cs typeface="+mn-cs"/>
               </a:rPr>
-              <a:t>回歸</a:t>
-            </a:r>
-            <a:r>
-              <a:rPr lang="zh-TW" altLang="en-US" sz="1200" b="0" i="0" kern="1200" smtClean="0">
-                <a:solidFill>
-                  <a:schemeClr val="tx1"/>
-                </a:solidFill>
-                <a:effectLst/>
-                <a:latin typeface="+mn-lt"/>
-                <a:ea typeface="+mn-ea"/>
-                <a:cs typeface="+mn-cs"/>
-              </a:rPr>
-              <a:t>分析：是</a:t>
+              <a:t>回歸分析：是</a:t>
             </a:r>
             <a:r>
               <a:rPr lang="zh-TW" altLang="en-US" sz="1200" b="0" i="0" kern="1200" dirty="0" smtClean="0">
@@ -587,7 +579,7 @@
                 <a:cs typeface="+mn-cs"/>
                 <a:hlinkClick r:id="rId3" tooltip="相关分析"/>
               </a:rPr>
-              <a:t>相關</a:t>
+              <a:t>相關分析</a:t>
             </a:r>
             <a:r>
               <a:rPr lang="zh-TW" altLang="en-US" sz="1200" b="0" i="0" u="none" strike="noStrike" kern="1200" smtClean="0">
@@ -598,19 +590,6 @@
                 <a:latin typeface="+mn-lt"/>
                 <a:ea typeface="+mn-ea"/>
                 <a:cs typeface="+mn-cs"/>
-                <a:hlinkClick r:id="rId3" tooltip="相关分析"/>
-              </a:rPr>
-              <a:t>分析</a:t>
-            </a:r>
-            <a:r>
-              <a:rPr lang="zh-TW" altLang="en-US" sz="1200" b="0" i="0" u="none" strike="noStrike" kern="1200" smtClean="0">
-                <a:solidFill>
-                  <a:schemeClr val="tx1"/>
-                </a:solidFill>
-                <a:effectLst/>
-                <a:latin typeface="+mn-lt"/>
-                <a:ea typeface="+mn-ea"/>
-                <a:cs typeface="+mn-cs"/>
               </a:rPr>
               <a:t>，</a:t>
             </a:r>
@@ -648,19 +627,7 @@
                 <a:ea typeface="+mn-ea"/>
                 <a:cs typeface="+mn-cs"/>
               </a:rPr>
-              <a:t>的</a:t>
-            </a:r>
-            <a:r>
-              <a:rPr lang="zh-TW" altLang="en-US" sz="1200" b="0" i="0" u="none" kern="1200" smtClean="0">
-                <a:solidFill>
-                  <a:schemeClr val="tx1"/>
-                </a:solidFill>
-                <a:effectLst/>
-                <a:latin typeface="+mn-lt"/>
-                <a:ea typeface="+mn-ea"/>
-                <a:cs typeface="+mn-cs"/>
-              </a:rPr>
-              <a:t>方法。條件</a:t>
+              <a:t>的方法。條件</a:t>
             </a:r>
             <a:r>
               <a:rPr lang="zh-TW" altLang="en-US" sz="1200" b="0" i="0" u="none" kern="1200" dirty="0" smtClean="0">
@@ -1665,7 +1632,7 @@
             <a:fld id="{B61BEF0D-F0BB-DE4B-95CE-6DB70DBA9567}" type="datetimeFigureOut">
               <a:rPr lang="en-US" dirty="0"/>
               <a:pPr/>
-              <a:t>5/24/2017</a:t>
+              <a:t>5/31/2017</a:t>
             </a:fld>
             <a:endParaRPr lang="en-US" dirty="0"/>
           </a:p>
@@ -1913,7 +1880,7 @@
             <a:fld id="{B61BEF0D-F0BB-DE4B-95CE-6DB70DBA9567}" type="datetimeFigureOut">
               <a:rPr lang="en-US" dirty="0"/>
               <a:pPr/>
-              <a:t>5/24/2017</a:t>
+              <a:t>5/31/2017</a:t>
             </a:fld>
             <a:endParaRPr lang="en-US" dirty="0"/>
           </a:p>
@@ -2224,7 +2191,7 @@
             <a:fld id="{B61BEF0D-F0BB-DE4B-95CE-6DB70DBA9567}" type="datetimeFigureOut">
               <a:rPr lang="en-US" dirty="0"/>
               <a:pPr/>
-              <a:t>5/24/2017</a:t>
+              <a:t>5/31/2017</a:t>
             </a:fld>
             <a:endParaRPr lang="en-US" dirty="0"/>
           </a:p>
@@ -2554,7 +2521,7 @@
             <a:fld id="{B61BEF0D-F0BB-DE4B-95CE-6DB70DBA9567}" type="datetimeFigureOut">
               <a:rPr lang="en-US" dirty="0"/>
               <a:pPr/>
-              <a:t>5/24/2017</a:t>
+              <a:t>5/31/2017</a:t>
             </a:fld>
             <a:endParaRPr lang="en-US" dirty="0"/>
           </a:p>
@@ -2865,7 +2832,7 @@
             <a:fld id="{B61BEF0D-F0BB-DE4B-95CE-6DB70DBA9567}" type="datetimeFigureOut">
               <a:rPr lang="en-US" dirty="0"/>
               <a:pPr/>
-              <a:t>5/24/2017</a:t>
+              <a:t>5/31/2017</a:t>
             </a:fld>
             <a:endParaRPr lang="en-US" dirty="0"/>
           </a:p>
@@ -3255,7 +3222,7 @@
             <a:fld id="{B61BEF0D-F0BB-DE4B-95CE-6DB70DBA9567}" type="datetimeFigureOut">
               <a:rPr lang="en-US" dirty="0"/>
               <a:pPr/>
-              <a:t>5/24/2017</a:t>
+              <a:t>5/31/2017</a:t>
             </a:fld>
             <a:endParaRPr lang="en-US" dirty="0"/>
           </a:p>
@@ -3421,7 +3388,7 @@
           <a:p>
             <a:fld id="{55C6B4A9-1611-4792-9094-5F34BCA07E0B}" type="datetimeFigureOut">
               <a:rPr lang="en-US" dirty="0"/>
-              <a:t>5/24/2017</a:t>
+              <a:t>5/31/2017</a:t>
             </a:fld>
             <a:endParaRPr lang="en-US" dirty="0"/>
           </a:p>
@@ -3597,7 +3564,7 @@
             <a:fld id="{B61BEF0D-F0BB-DE4B-95CE-6DB70DBA9567}" type="datetimeFigureOut">
               <a:rPr lang="en-US" dirty="0"/>
               <a:pPr/>
-              <a:t>5/24/2017</a:t>
+              <a:t>5/31/2017</a:t>
             </a:fld>
             <a:endParaRPr lang="en-US" dirty="0"/>
           </a:p>
@@ -3763,7 +3730,7 @@
           <a:p>
             <a:fld id="{42A54C80-263E-416B-A8E0-580EDEADCBDC}" type="datetimeFigureOut">
               <a:rPr lang="en-US" dirty="0"/>
-              <a:t>5/24/2017</a:t>
+              <a:t>5/31/2017</a:t>
             </a:fld>
             <a:endParaRPr lang="en-US" dirty="0"/>
           </a:p>
@@ -4006,7 +3973,7 @@
             <a:fld id="{B61BEF0D-F0BB-DE4B-95CE-6DB70DBA9567}" type="datetimeFigureOut">
               <a:rPr lang="en-US" dirty="0"/>
               <a:pPr/>
-              <a:t>5/24/2017</a:t>
+              <a:t>5/31/2017</a:t>
             </a:fld>
             <a:endParaRPr lang="en-US" dirty="0"/>
           </a:p>
@@ -4234,7 +4201,7 @@
           <a:p>
             <a:fld id="{42A54C80-263E-416B-A8E0-580EDEADCBDC}" type="datetimeFigureOut">
               <a:rPr lang="en-US" dirty="0"/>
-              <a:t>5/24/2017</a:t>
+              <a:t>5/31/2017</a:t>
             </a:fld>
             <a:endParaRPr lang="en-US" dirty="0"/>
           </a:p>
@@ -4604,7 +4571,7 @@
             <a:fld id="{B61BEF0D-F0BB-DE4B-95CE-6DB70DBA9567}" type="datetimeFigureOut">
               <a:rPr lang="en-US" dirty="0"/>
               <a:pPr/>
-              <a:t>5/24/2017</a:t>
+              <a:t>5/31/2017</a:t>
             </a:fld>
             <a:endParaRPr lang="en-US" dirty="0"/>
           </a:p>
@@ -4724,7 +4691,7 @@
             <a:fld id="{B61BEF0D-F0BB-DE4B-95CE-6DB70DBA9567}" type="datetimeFigureOut">
               <a:rPr lang="en-US" dirty="0"/>
               <a:pPr/>
-              <a:t>5/24/2017</a:t>
+              <a:t>5/31/2017</a:t>
             </a:fld>
             <a:endParaRPr lang="en-US" dirty="0"/>
           </a:p>
@@ -4816,7 +4783,7 @@
             <a:fld id="{B61BEF0D-F0BB-DE4B-95CE-6DB70DBA9567}" type="datetimeFigureOut">
               <a:rPr lang="en-US" dirty="0"/>
               <a:pPr/>
-              <a:t>5/24/2017</a:t>
+              <a:t>5/31/2017</a:t>
             </a:fld>
             <a:endParaRPr lang="en-US" dirty="0"/>
           </a:p>
@@ -5067,7 +5034,7 @@
           <a:p>
             <a:fld id="{42A54C80-263E-416B-A8E0-580EDEADCBDC}" type="datetimeFigureOut">
               <a:rPr lang="en-US" dirty="0"/>
-              <a:t>5/24/2017</a:t>
+              <a:t>5/31/2017</a:t>
             </a:fld>
             <a:endParaRPr lang="en-US" dirty="0"/>
           </a:p>
@@ -5369,7 +5336,7 @@
             <a:fld id="{B61BEF0D-F0BB-DE4B-95CE-6DB70DBA9567}" type="datetimeFigureOut">
               <a:rPr lang="en-US" dirty="0"/>
               <a:pPr/>
-              <a:t>5/24/2017</a:t>
+              <a:t>5/31/2017</a:t>
             </a:fld>
             <a:endParaRPr lang="en-US" dirty="0"/>
           </a:p>
@@ -6067,7 +6034,7 @@
             <a:fld id="{B61BEF0D-F0BB-DE4B-95CE-6DB70DBA9567}" type="datetimeFigureOut">
               <a:rPr lang="en-US" dirty="0"/>
               <a:pPr/>
-              <a:t>5/24/2017</a:t>
+              <a:t>5/31/2017</a:t>
             </a:fld>
             <a:endParaRPr lang="en-US" dirty="0"/>
           </a:p>
@@ -6733,6 +6700,490 @@
 </p:sld>
 </file>
 
+<file path=ppt/slides/slide10.xml><?xml version="1.0" encoding="utf-8"?>
+<p:sld xmlns:a="http://schemas.openxmlformats.org/drawingml/2006/main" xmlns:r="http://schemas.openxmlformats.org/officeDocument/2006/relationships" xmlns:p="http://schemas.openxmlformats.org/presentationml/2006/main">
+  <p:cSld>
+    <p:spTree>
+      <p:nvGrpSpPr>
+        <p:cNvPr id="1" name=""/>
+        <p:cNvGrpSpPr/>
+        <p:nvPr/>
+      </p:nvGrpSpPr>
+      <p:grpSpPr>
+        <a:xfrm>
+          <a:off x="0" y="0"/>
+          <a:ext cx="0" cy="0"/>
+          <a:chOff x="0" y="0"/>
+          <a:chExt cx="0" cy="0"/>
+        </a:xfrm>
+      </p:grpSpPr>
+      <p:sp>
+        <p:nvSpPr>
+          <p:cNvPr id="4" name="標題 1"/>
+          <p:cNvSpPr>
+            <a:spLocks noGrp="1"/>
+          </p:cNvSpPr>
+          <p:nvPr>
+            <p:ph type="title"/>
+          </p:nvPr>
+        </p:nvSpPr>
+        <p:spPr>
+          <a:xfrm>
+            <a:off x="677333" y="609600"/>
+            <a:ext cx="8932831" cy="1320800"/>
+          </a:xfrm>
+        </p:spPr>
+        <p:txBody>
+          <a:bodyPr>
+            <a:normAutofit/>
+          </a:bodyPr>
+          <a:lstStyle/>
+          <a:p>
+            <a:pPr algn="ctr"/>
+            <a:r>
+              <a:rPr lang="zh-TW" altLang="en-US" dirty="0" smtClean="0">
+                <a:latin typeface="標楷體" panose="03000509000000000000" pitchFamily="65" charset="-120"/>
+                <a:ea typeface="標楷體" panose="03000509000000000000" pitchFamily="65" charset="-120"/>
+              </a:rPr>
+              <a:t>範例實</a:t>
+            </a:r>
+            <a:r>
+              <a:rPr lang="zh-TW" altLang="en-US" dirty="0" smtClean="0">
+                <a:latin typeface="標楷體" panose="03000509000000000000" pitchFamily="65" charset="-120"/>
+                <a:ea typeface="標楷體" panose="03000509000000000000" pitchFamily="65" charset="-120"/>
+              </a:rPr>
+              <a:t>作─</a:t>
+            </a:r>
+            <a:r>
+              <a:rPr lang="zh-TW" altLang="en-US" dirty="0" smtClean="0">
+                <a:latin typeface="標楷體" panose="03000509000000000000" pitchFamily="65" charset="-120"/>
+                <a:ea typeface="標楷體" panose="03000509000000000000" pitchFamily="65" charset="-120"/>
+              </a:rPr>
+              <a:t>程式碼介紹</a:t>
+            </a:r>
+            <a:r>
+              <a:rPr lang="en-US" altLang="zh-TW" dirty="0" smtClean="0">
+                <a:latin typeface="標楷體" panose="03000509000000000000" pitchFamily="65" charset="-120"/>
+                <a:ea typeface="標楷體" panose="03000509000000000000" pitchFamily="65" charset="-120"/>
+              </a:rPr>
+              <a:t/>
+            </a:r>
+            <a:br>
+              <a:rPr lang="en-US" altLang="zh-TW" dirty="0" smtClean="0">
+                <a:latin typeface="標楷體" panose="03000509000000000000" pitchFamily="65" charset="-120"/>
+                <a:ea typeface="標楷體" panose="03000509000000000000" pitchFamily="65" charset="-120"/>
+              </a:rPr>
+            </a:br>
+            <a:r>
+              <a:rPr lang="zh-TW" altLang="en-US" dirty="0" smtClean="0">
+                <a:latin typeface="標楷體" panose="03000509000000000000" pitchFamily="65" charset="-120"/>
+                <a:ea typeface="標楷體" panose="03000509000000000000" pitchFamily="65" charset="-120"/>
+              </a:rPr>
+              <a:t>分類函式</a:t>
+            </a:r>
+            <a:endParaRPr lang="zh-TW" altLang="en-US" dirty="0">
+              <a:latin typeface="標楷體" panose="03000509000000000000" pitchFamily="65" charset="-120"/>
+              <a:ea typeface="標楷體" panose="03000509000000000000" pitchFamily="65" charset="-120"/>
+            </a:endParaRPr>
+          </a:p>
+        </p:txBody>
+      </p:sp>
+      <p:pic>
+        <p:nvPicPr>
+          <p:cNvPr id="5" name="圖片 4"/>
+          <p:cNvPicPr>
+            <a:picLocks noChangeAspect="1"/>
+          </p:cNvPicPr>
+          <p:nvPr/>
+        </p:nvPicPr>
+        <p:blipFill>
+          <a:blip r:embed="rId2">
+            <a:extLst>
+              <a:ext uri="{28A0092B-C50C-407E-A947-70E740481C1C}">
+                <a14:useLocalDpi xmlns:a14="http://schemas.microsoft.com/office/drawing/2010/main" val="0"/>
+              </a:ext>
+            </a:extLst>
+          </a:blip>
+          <a:stretch>
+            <a:fillRect/>
+          </a:stretch>
+        </p:blipFill>
+        <p:spPr>
+          <a:xfrm>
+            <a:off x="1610896" y="1785187"/>
+            <a:ext cx="7065704" cy="5072813"/>
+          </a:xfrm>
+          <a:prstGeom prst="rect">
+            <a:avLst/>
+          </a:prstGeom>
+        </p:spPr>
+      </p:pic>
+    </p:spTree>
+    <p:extLst>
+      <p:ext uri="{BB962C8B-B14F-4D97-AF65-F5344CB8AC3E}">
+        <p14:creationId xmlns:p14="http://schemas.microsoft.com/office/powerpoint/2010/main" val="3101684803"/>
+      </p:ext>
+    </p:extLst>
+  </p:cSld>
+  <p:clrMapOvr>
+    <a:masterClrMapping/>
+  </p:clrMapOvr>
+</p:sld>
+</file>
+
+<file path=ppt/slides/slide11.xml><?xml version="1.0" encoding="utf-8"?>
+<p:sld xmlns:a="http://schemas.openxmlformats.org/drawingml/2006/main" xmlns:r="http://schemas.openxmlformats.org/officeDocument/2006/relationships" xmlns:p="http://schemas.openxmlformats.org/presentationml/2006/main">
+  <p:cSld>
+    <p:spTree>
+      <p:nvGrpSpPr>
+        <p:cNvPr id="1" name=""/>
+        <p:cNvGrpSpPr/>
+        <p:nvPr/>
+      </p:nvGrpSpPr>
+      <p:grpSpPr>
+        <a:xfrm>
+          <a:off x="0" y="0"/>
+          <a:ext cx="0" cy="0"/>
+          <a:chOff x="0" y="0"/>
+          <a:chExt cx="0" cy="0"/>
+        </a:xfrm>
+      </p:grpSpPr>
+      <p:sp>
+        <p:nvSpPr>
+          <p:cNvPr id="5" name="標題 1"/>
+          <p:cNvSpPr>
+            <a:spLocks noGrp="1"/>
+          </p:cNvSpPr>
+          <p:nvPr>
+            <p:ph type="title"/>
+          </p:nvPr>
+        </p:nvSpPr>
+        <p:spPr>
+          <a:xfrm>
+            <a:off x="677333" y="609600"/>
+            <a:ext cx="8932831" cy="1320800"/>
+          </a:xfrm>
+        </p:spPr>
+        <p:txBody>
+          <a:bodyPr>
+            <a:normAutofit/>
+          </a:bodyPr>
+          <a:lstStyle/>
+          <a:p>
+            <a:pPr algn="ctr"/>
+            <a:r>
+              <a:rPr lang="zh-TW" altLang="en-US" dirty="0" smtClean="0">
+                <a:latin typeface="標楷體" panose="03000509000000000000" pitchFamily="65" charset="-120"/>
+                <a:ea typeface="標楷體" panose="03000509000000000000" pitchFamily="65" charset="-120"/>
+              </a:rPr>
+              <a:t>範例實</a:t>
+            </a:r>
+            <a:r>
+              <a:rPr lang="zh-TW" altLang="en-US" dirty="0" smtClean="0">
+                <a:latin typeface="標楷體" panose="03000509000000000000" pitchFamily="65" charset="-120"/>
+                <a:ea typeface="標楷體" panose="03000509000000000000" pitchFamily="65" charset="-120"/>
+              </a:rPr>
+              <a:t>作─</a:t>
+            </a:r>
+            <a:r>
+              <a:rPr lang="zh-TW" altLang="en-US" dirty="0" smtClean="0">
+                <a:latin typeface="標楷體" panose="03000509000000000000" pitchFamily="65" charset="-120"/>
+                <a:ea typeface="標楷體" panose="03000509000000000000" pitchFamily="65" charset="-120"/>
+              </a:rPr>
+              <a:t>程式碼介紹</a:t>
+            </a:r>
+            <a:r>
+              <a:rPr lang="en-US" altLang="zh-TW" dirty="0" smtClean="0">
+                <a:latin typeface="標楷體" panose="03000509000000000000" pitchFamily="65" charset="-120"/>
+                <a:ea typeface="標楷體" panose="03000509000000000000" pitchFamily="65" charset="-120"/>
+              </a:rPr>
+              <a:t/>
+            </a:r>
+            <a:br>
+              <a:rPr lang="en-US" altLang="zh-TW" dirty="0" smtClean="0">
+                <a:latin typeface="標楷體" panose="03000509000000000000" pitchFamily="65" charset="-120"/>
+                <a:ea typeface="標楷體" panose="03000509000000000000" pitchFamily="65" charset="-120"/>
+              </a:rPr>
+            </a:br>
+            <a:r>
+              <a:rPr lang="zh-TW" altLang="en-US" dirty="0" smtClean="0">
+                <a:latin typeface="標楷體" panose="03000509000000000000" pitchFamily="65" charset="-120"/>
+                <a:ea typeface="標楷體" panose="03000509000000000000" pitchFamily="65" charset="-120"/>
+              </a:rPr>
+              <a:t>整合呼叫與執行</a:t>
+            </a:r>
+            <a:endParaRPr lang="zh-TW" altLang="en-US" dirty="0">
+              <a:latin typeface="標楷體" panose="03000509000000000000" pitchFamily="65" charset="-120"/>
+              <a:ea typeface="標楷體" panose="03000509000000000000" pitchFamily="65" charset="-120"/>
+            </a:endParaRPr>
+          </a:p>
+        </p:txBody>
+      </p:sp>
+      <p:pic>
+        <p:nvPicPr>
+          <p:cNvPr id="6" name="圖片 5"/>
+          <p:cNvPicPr>
+            <a:picLocks noChangeAspect="1"/>
+          </p:cNvPicPr>
+          <p:nvPr/>
+        </p:nvPicPr>
+        <p:blipFill>
+          <a:blip r:embed="rId2">
+            <a:extLst>
+              <a:ext uri="{28A0092B-C50C-407E-A947-70E740481C1C}">
+                <a14:useLocalDpi xmlns:a14="http://schemas.microsoft.com/office/drawing/2010/main" val="0"/>
+              </a:ext>
+            </a:extLst>
+          </a:blip>
+          <a:stretch>
+            <a:fillRect/>
+          </a:stretch>
+        </p:blipFill>
+        <p:spPr>
+          <a:xfrm>
+            <a:off x="1012498" y="1779568"/>
+            <a:ext cx="8375623" cy="2875214"/>
+          </a:xfrm>
+          <a:prstGeom prst="rect">
+            <a:avLst/>
+          </a:prstGeom>
+        </p:spPr>
+      </p:pic>
+    </p:spTree>
+    <p:extLst>
+      <p:ext uri="{BB962C8B-B14F-4D97-AF65-F5344CB8AC3E}">
+        <p14:creationId xmlns:p14="http://schemas.microsoft.com/office/powerpoint/2010/main" val="3319332026"/>
+      </p:ext>
+    </p:extLst>
+  </p:cSld>
+  <p:clrMapOvr>
+    <a:masterClrMapping/>
+  </p:clrMapOvr>
+</p:sld>
+</file>
+
+<file path=ppt/slides/slide12.xml><?xml version="1.0" encoding="utf-8"?>
+<p:sld xmlns:a="http://schemas.openxmlformats.org/drawingml/2006/main" xmlns:r="http://schemas.openxmlformats.org/officeDocument/2006/relationships" xmlns:p="http://schemas.openxmlformats.org/presentationml/2006/main">
+  <p:cSld>
+    <p:spTree>
+      <p:nvGrpSpPr>
+        <p:cNvPr id="1" name=""/>
+        <p:cNvGrpSpPr/>
+        <p:nvPr/>
+      </p:nvGrpSpPr>
+      <p:grpSpPr>
+        <a:xfrm>
+          <a:off x="0" y="0"/>
+          <a:ext cx="0" cy="0"/>
+          <a:chOff x="0" y="0"/>
+          <a:chExt cx="0" cy="0"/>
+        </a:xfrm>
+      </p:grpSpPr>
+      <p:sp>
+        <p:nvSpPr>
+          <p:cNvPr id="2" name="標題 1"/>
+          <p:cNvSpPr>
+            <a:spLocks noGrp="1"/>
+          </p:cNvSpPr>
+          <p:nvPr>
+            <p:ph type="title"/>
+          </p:nvPr>
+        </p:nvSpPr>
+        <p:spPr/>
+        <p:txBody>
+          <a:bodyPr anchor="ctr"/>
+          <a:lstStyle/>
+          <a:p>
+            <a:pPr algn="ctr"/>
+            <a:r>
+              <a:rPr lang="zh-TW" altLang="en-US" dirty="0" smtClean="0">
+                <a:latin typeface="標楷體" panose="03000509000000000000" pitchFamily="65" charset="-120"/>
+                <a:ea typeface="標楷體" panose="03000509000000000000" pitchFamily="65" charset="-120"/>
+              </a:rPr>
+              <a:t>參考資料</a:t>
+            </a:r>
+            <a:endParaRPr lang="zh-TW" altLang="en-US" dirty="0">
+              <a:latin typeface="標楷體" panose="03000509000000000000" pitchFamily="65" charset="-120"/>
+              <a:ea typeface="標楷體" panose="03000509000000000000" pitchFamily="65" charset="-120"/>
+            </a:endParaRPr>
+          </a:p>
+        </p:txBody>
+      </p:sp>
+      <p:sp>
+        <p:nvSpPr>
+          <p:cNvPr id="3" name="內容版面配置區 2"/>
+          <p:cNvSpPr>
+            <a:spLocks noGrp="1"/>
+          </p:cNvSpPr>
+          <p:nvPr>
+            <p:ph idx="1"/>
+          </p:nvPr>
+        </p:nvSpPr>
+        <p:spPr/>
+        <p:txBody>
+          <a:bodyPr/>
+          <a:lstStyle/>
+          <a:p>
+            <a:r>
+              <a:rPr lang="en-US" altLang="zh-TW" dirty="0">
+                <a:latin typeface="標楷體" panose="03000509000000000000" pitchFamily="65" charset="-120"/>
+                <a:ea typeface="標楷體" panose="03000509000000000000" pitchFamily="65" charset="-120"/>
+                <a:hlinkClick r:id="rId2"/>
+              </a:rPr>
+              <a:t>http://</a:t>
+            </a:r>
+            <a:r>
+              <a:rPr lang="en-US" altLang="zh-TW" dirty="0" smtClean="0">
+                <a:latin typeface="標楷體" panose="03000509000000000000" pitchFamily="65" charset="-120"/>
+                <a:ea typeface="標楷體" panose="03000509000000000000" pitchFamily="65" charset="-120"/>
+                <a:hlinkClick r:id="rId2"/>
+              </a:rPr>
+              <a:t>blog.csdn.net/u012162613/article/details/41844495</a:t>
+            </a:r>
+            <a:r>
+              <a:rPr lang="en-US" altLang="zh-TW" dirty="0" smtClean="0">
+                <a:latin typeface="標楷體" panose="03000509000000000000" pitchFamily="65" charset="-120"/>
+                <a:ea typeface="標楷體" panose="03000509000000000000" pitchFamily="65" charset="-120"/>
+              </a:rPr>
+              <a:t> </a:t>
+            </a:r>
+            <a:r>
+              <a:rPr lang="zh-TW" altLang="en-US" dirty="0" smtClean="0">
+                <a:latin typeface="標楷體" panose="03000509000000000000" pitchFamily="65" charset="-120"/>
+                <a:ea typeface="標楷體" panose="03000509000000000000" pitchFamily="65" charset="-120"/>
+              </a:rPr>
+              <a:t>─</a:t>
+            </a:r>
+            <a:r>
+              <a:rPr lang="en-US" altLang="zh-TW" dirty="0" smtClean="0">
+                <a:latin typeface="標楷體" panose="03000509000000000000" pitchFamily="65" charset="-120"/>
+                <a:ea typeface="標楷體" panose="03000509000000000000" pitchFamily="65" charset="-120"/>
+              </a:rPr>
+              <a:t>wepon_blog</a:t>
+            </a:r>
+          </a:p>
+          <a:p>
+            <a:r>
+              <a:rPr lang="en-US" altLang="zh-TW" dirty="0">
+                <a:latin typeface="標楷體" panose="03000509000000000000" pitchFamily="65" charset="-120"/>
+                <a:ea typeface="標楷體" panose="03000509000000000000" pitchFamily="65" charset="-120"/>
+                <a:hlinkClick r:id="rId3"/>
+              </a:rPr>
+              <a:t>https://ccjou.wordpress.com/2014/03/26/%</a:t>
+            </a:r>
+            <a:r>
+              <a:rPr lang="en-US" altLang="zh-TW" dirty="0" smtClean="0">
+                <a:latin typeface="標楷體" panose="03000509000000000000" pitchFamily="65" charset="-120"/>
+                <a:ea typeface="標楷體" panose="03000509000000000000" pitchFamily="65" charset="-120"/>
+                <a:hlinkClick r:id="rId3"/>
+              </a:rPr>
+              <a:t>E9%82%8F%E8%BC%AF%E6%96%AF%E5%9B%9E%E6%AD%B8/</a:t>
+            </a:r>
+            <a:r>
+              <a:rPr lang="zh-TW" altLang="en-US" dirty="0" smtClean="0">
+                <a:latin typeface="標楷體" panose="03000509000000000000" pitchFamily="65" charset="-120"/>
+                <a:ea typeface="標楷體" panose="03000509000000000000" pitchFamily="65" charset="-120"/>
+              </a:rPr>
+              <a:t> ─現代啟示錄</a:t>
+            </a:r>
+            <a:r>
+              <a:rPr lang="en-US" altLang="zh-TW" dirty="0" smtClean="0">
+                <a:latin typeface="標楷體" panose="03000509000000000000" pitchFamily="65" charset="-120"/>
+                <a:ea typeface="標楷體" panose="03000509000000000000" pitchFamily="65" charset="-120"/>
+              </a:rPr>
+              <a:t>_blog</a:t>
+            </a:r>
+          </a:p>
+          <a:p>
+            <a:r>
+              <a:rPr lang="en-US" altLang="zh-TW" dirty="0">
+                <a:latin typeface="標楷體" panose="03000509000000000000" pitchFamily="65" charset="-120"/>
+                <a:ea typeface="標楷體" panose="03000509000000000000" pitchFamily="65" charset="-120"/>
+                <a:hlinkClick r:id="rId4"/>
+              </a:rPr>
+              <a:t>http://</a:t>
+            </a:r>
+            <a:r>
+              <a:rPr lang="en-US" altLang="zh-TW" dirty="0" smtClean="0">
+                <a:latin typeface="標楷體" panose="03000509000000000000" pitchFamily="65" charset="-120"/>
+                <a:ea typeface="標楷體" panose="03000509000000000000" pitchFamily="65" charset="-120"/>
+                <a:hlinkClick r:id="rId4"/>
+              </a:rPr>
+              <a:t>wenjunoy.com/2016/01/logistic-sigmoid-function.html</a:t>
+            </a:r>
+            <a:r>
+              <a:rPr lang="zh-TW" altLang="en-US" dirty="0" smtClean="0">
+                <a:latin typeface="標楷體" panose="03000509000000000000" pitchFamily="65" charset="-120"/>
+                <a:ea typeface="標楷體" panose="03000509000000000000" pitchFamily="65" charset="-120"/>
+              </a:rPr>
+              <a:t> ─</a:t>
+            </a:r>
+            <a:r>
+              <a:rPr lang="en-US" altLang="zh-TW" dirty="0" smtClean="0">
+                <a:latin typeface="標楷體" panose="03000509000000000000" pitchFamily="65" charset="-120"/>
+                <a:ea typeface="標楷體" panose="03000509000000000000" pitchFamily="65" charset="-120"/>
+              </a:rPr>
+              <a:t>wenjunoy_blog</a:t>
+            </a:r>
+          </a:p>
+          <a:p>
+            <a:r>
+              <a:rPr lang="en-US" altLang="zh-TW" dirty="0">
+                <a:latin typeface="標楷體" panose="03000509000000000000" pitchFamily="65" charset="-120"/>
+                <a:ea typeface="標楷體" panose="03000509000000000000" pitchFamily="65" charset="-120"/>
+                <a:hlinkClick r:id="rId5"/>
+              </a:rPr>
+              <a:t>https://</a:t>
+            </a:r>
+            <a:r>
+              <a:rPr lang="en-US" altLang="zh-TW" dirty="0" smtClean="0">
+                <a:latin typeface="標楷體" panose="03000509000000000000" pitchFamily="65" charset="-120"/>
+                <a:ea typeface="標楷體" panose="03000509000000000000" pitchFamily="65" charset="-120"/>
+                <a:hlinkClick r:id="rId5"/>
+              </a:rPr>
+              <a:t>read01.com/zkNKnm.html</a:t>
+            </a:r>
+            <a:r>
+              <a:rPr lang="en-US" altLang="zh-TW" dirty="0" smtClean="0">
+                <a:latin typeface="標楷體" panose="03000509000000000000" pitchFamily="65" charset="-120"/>
+                <a:ea typeface="標楷體" panose="03000509000000000000" pitchFamily="65" charset="-120"/>
+              </a:rPr>
+              <a:t> </a:t>
+            </a:r>
+            <a:r>
+              <a:rPr lang="zh-TW" altLang="en-US" dirty="0" smtClean="0">
+                <a:latin typeface="標楷體" panose="03000509000000000000" pitchFamily="65" charset="-120"/>
+                <a:ea typeface="標楷體" panose="03000509000000000000" pitchFamily="65" charset="-120"/>
+              </a:rPr>
+              <a:t>─壹讀</a:t>
+            </a:r>
+            <a:endParaRPr lang="zh-TW" altLang="en-US" dirty="0">
+              <a:latin typeface="標楷體" panose="03000509000000000000" pitchFamily="65" charset="-120"/>
+              <a:ea typeface="標楷體" panose="03000509000000000000" pitchFamily="65" charset="-120"/>
+            </a:endParaRPr>
+          </a:p>
+        </p:txBody>
+      </p:sp>
+    </p:spTree>
+    <p:extLst>
+      <p:ext uri="{BB962C8B-B14F-4D97-AF65-F5344CB8AC3E}">
+        <p14:creationId xmlns:p14="http://schemas.microsoft.com/office/powerpoint/2010/main" val="989892315"/>
+      </p:ext>
+    </p:extLst>
+  </p:cSld>
+  <p:clrMapOvr>
+    <a:masterClrMapping/>
+  </p:clrMapOvr>
+  <p:timing>
+    <p:tnLst>
+      <p:par>
+        <p:cTn id="1" dur="indefinite" restart="never" nodeType="tmRoot"/>
+      </p:par>
+    </p:tnLst>
+  </p:timing>
+</p:sld>
+</file>
+
 <file path=ppt/slides/slide2.xml><?xml version="1.0" encoding="utf-8"?>
 <p:sld xmlns:a="http://schemas.openxmlformats.org/drawingml/2006/main" xmlns:r="http://schemas.openxmlformats.org/officeDocument/2006/relationships" xmlns:p="http://schemas.openxmlformats.org/presentationml/2006/main">
   <p:cSld>
@@ -6963,8 +7414,12 @@
                 <a:latin typeface="標楷體" panose="03000509000000000000" pitchFamily="65" charset="-120"/>
                 <a:ea typeface="標楷體" panose="03000509000000000000" pitchFamily="65" charset="-120"/>
               </a:rPr>
-              <a:t>.........................p7</a:t>
-            </a:r>
+              <a:t>.....................p7-p11</a:t>
+            </a:r>
+            <a:endParaRPr lang="en-US" altLang="zh-TW" sz="3200" dirty="0" smtClean="0">
+              <a:latin typeface="標楷體" panose="03000509000000000000" pitchFamily="65" charset="-120"/>
+              <a:ea typeface="標楷體" panose="03000509000000000000" pitchFamily="65" charset="-120"/>
+            </a:endParaRPr>
           </a:p>
           <a:p>
             <a:pPr>
@@ -9009,7 +9464,7 @@
       </p:grpSpPr>
       <p:sp>
         <p:nvSpPr>
-          <p:cNvPr id="2" name="標題 1"/>
+          <p:cNvPr id="4" name="標題 1"/>
           <p:cNvSpPr>
             <a:spLocks noGrp="1"/>
           </p:cNvSpPr>
@@ -9017,9 +9472,16 @@
             <p:ph type="title"/>
           </p:nvPr>
         </p:nvSpPr>
-        <p:spPr/>
-        <p:txBody>
-          <a:bodyPr anchor="ctr"/>
+        <p:spPr>
+          <a:xfrm>
+            <a:off x="677333" y="609600"/>
+            <a:ext cx="8932831" cy="1320800"/>
+          </a:xfrm>
+        </p:spPr>
+        <p:txBody>
+          <a:bodyPr>
+            <a:normAutofit/>
+          </a:bodyPr>
           <a:lstStyle/>
           <a:p>
             <a:pPr algn="ctr"/>
@@ -9028,7 +9490,41 @@
                 <a:latin typeface="標楷體" panose="03000509000000000000" pitchFamily="65" charset="-120"/>
                 <a:ea typeface="標楷體" panose="03000509000000000000" pitchFamily="65" charset="-120"/>
               </a:rPr>
-              <a:t>參考資料</a:t>
+              <a:t>範例實</a:t>
+            </a:r>
+            <a:r>
+              <a:rPr lang="zh-TW" altLang="en-US" dirty="0" smtClean="0">
+                <a:latin typeface="標楷體" panose="03000509000000000000" pitchFamily="65" charset="-120"/>
+                <a:ea typeface="標楷體" panose="03000509000000000000" pitchFamily="65" charset="-120"/>
+              </a:rPr>
+              <a:t>作─</a:t>
+            </a:r>
+            <a:r>
+              <a:rPr lang="zh-TW" altLang="en-US" dirty="0" smtClean="0">
+                <a:latin typeface="標楷體" panose="03000509000000000000" pitchFamily="65" charset="-120"/>
+                <a:ea typeface="標楷體" panose="03000509000000000000" pitchFamily="65" charset="-120"/>
+              </a:rPr>
+              <a:t>程式碼介紹</a:t>
+            </a:r>
+            <a:r>
+              <a:rPr lang="en-US" altLang="zh-TW" dirty="0" smtClean="0">
+                <a:latin typeface="標楷體" panose="03000509000000000000" pitchFamily="65" charset="-120"/>
+                <a:ea typeface="標楷體" panose="03000509000000000000" pitchFamily="65" charset="-120"/>
+              </a:rPr>
+              <a:t/>
+            </a:r>
+            <a:br>
+              <a:rPr lang="en-US" altLang="zh-TW" dirty="0" smtClean="0">
+                <a:latin typeface="標楷體" panose="03000509000000000000" pitchFamily="65" charset="-120"/>
+                <a:ea typeface="標楷體" panose="03000509000000000000" pitchFamily="65" charset="-120"/>
+              </a:rPr>
+            </a:br>
+            <a:r>
+              <a:rPr lang="zh-TW" altLang="en-US" dirty="0" smtClean="0">
+                <a:latin typeface="標楷體" panose="03000509000000000000" pitchFamily="65" charset="-120"/>
+                <a:ea typeface="標楷體" panose="03000509000000000000" pitchFamily="65" charset="-120"/>
+              </a:rPr>
+              <a:t>讀取資料</a:t>
             </a:r>
             <a:endParaRPr lang="zh-TW" altLang="en-US" dirty="0">
               <a:latin typeface="標楷體" panose="03000509000000000000" pitchFamily="65" charset="-120"/>
@@ -9037,178 +9533,214 @@
           </a:p>
         </p:txBody>
       </p:sp>
-      <p:sp>
-        <p:nvSpPr>
-          <p:cNvPr id="3" name="內容版面配置區 2"/>
-          <p:cNvSpPr>
-            <a:spLocks noGrp="1"/>
-          </p:cNvSpPr>
-          <p:nvPr>
-            <p:ph idx="1"/>
-          </p:nvPr>
-        </p:nvSpPr>
-        <p:spPr/>
-        <p:txBody>
-          <a:bodyPr/>
-          <a:lstStyle/>
-          <a:p>
-            <a:r>
-              <a:rPr lang="en-US" altLang="zh-TW" dirty="0">
-                <a:latin typeface="標楷體" panose="03000509000000000000" pitchFamily="65" charset="-120"/>
-                <a:ea typeface="標楷體" panose="03000509000000000000" pitchFamily="65" charset="-120"/>
-                <a:hlinkClick r:id="rId2"/>
-              </a:rPr>
-              <a:t>http://</a:t>
-            </a:r>
-            <a:r>
-              <a:rPr lang="en-US" altLang="zh-TW" dirty="0" smtClean="0">
-                <a:latin typeface="標楷體" panose="03000509000000000000" pitchFamily="65" charset="-120"/>
-                <a:ea typeface="標楷體" panose="03000509000000000000" pitchFamily="65" charset="-120"/>
-                <a:hlinkClick r:id="rId2"/>
-              </a:rPr>
-              <a:t>blog.csdn.net/u012162613/article/details/41844495</a:t>
-            </a:r>
-            <a:r>
-              <a:rPr lang="en-US" altLang="zh-TW" dirty="0" smtClean="0">
-                <a:latin typeface="標楷體" panose="03000509000000000000" pitchFamily="65" charset="-120"/>
-                <a:ea typeface="標楷體" panose="03000509000000000000" pitchFamily="65" charset="-120"/>
-              </a:rPr>
-              <a:t> </a:t>
-            </a:r>
-            <a:r>
-              <a:rPr lang="zh-TW" altLang="en-US" dirty="0" smtClean="0">
-                <a:latin typeface="標楷體" panose="03000509000000000000" pitchFamily="65" charset="-120"/>
-                <a:ea typeface="標楷體" panose="03000509000000000000" pitchFamily="65" charset="-120"/>
-              </a:rPr>
-              <a:t>─</a:t>
-            </a:r>
-            <a:r>
-              <a:rPr lang="en-US" altLang="zh-TW" dirty="0" smtClean="0">
-                <a:latin typeface="標楷體" panose="03000509000000000000" pitchFamily="65" charset="-120"/>
-                <a:ea typeface="標楷體" panose="03000509000000000000" pitchFamily="65" charset="-120"/>
-              </a:rPr>
-              <a:t>wepon_blog</a:t>
-            </a:r>
-          </a:p>
-          <a:p>
-            <a:r>
-              <a:rPr lang="en-US" altLang="zh-TW" dirty="0">
-                <a:latin typeface="標楷體" panose="03000509000000000000" pitchFamily="65" charset="-120"/>
-                <a:ea typeface="標楷體" panose="03000509000000000000" pitchFamily="65" charset="-120"/>
-                <a:hlinkClick r:id="rId3"/>
-              </a:rPr>
-              <a:t>https://ccjou.wordpress.com/2014/03/26/%</a:t>
-            </a:r>
-            <a:r>
-              <a:rPr lang="en-US" altLang="zh-TW" dirty="0" smtClean="0">
-                <a:latin typeface="標楷體" panose="03000509000000000000" pitchFamily="65" charset="-120"/>
-                <a:ea typeface="標楷體" panose="03000509000000000000" pitchFamily="65" charset="-120"/>
-                <a:hlinkClick r:id="rId3"/>
-              </a:rPr>
-              <a:t>E9%82%8F%E8%BC%AF%E6%96%AF%E5%9B%9E%E6%AD%B8/</a:t>
-            </a:r>
-            <a:r>
-              <a:rPr lang="zh-TW" altLang="en-US" dirty="0" smtClean="0">
-                <a:latin typeface="標楷體" panose="03000509000000000000" pitchFamily="65" charset="-120"/>
-                <a:ea typeface="標楷體" panose="03000509000000000000" pitchFamily="65" charset="-120"/>
-              </a:rPr>
-              <a:t> ─現代啟示錄</a:t>
-            </a:r>
-            <a:r>
-              <a:rPr lang="en-US" altLang="zh-TW" dirty="0" smtClean="0">
-                <a:latin typeface="標楷體" panose="03000509000000000000" pitchFamily="65" charset="-120"/>
-                <a:ea typeface="標楷體" panose="03000509000000000000" pitchFamily="65" charset="-120"/>
-              </a:rPr>
-              <a:t>_blog</a:t>
-            </a:r>
-          </a:p>
-          <a:p>
-            <a:r>
-              <a:rPr lang="en-US" altLang="zh-TW" dirty="0">
-                <a:latin typeface="標楷體" panose="03000509000000000000" pitchFamily="65" charset="-120"/>
-                <a:ea typeface="標楷體" panose="03000509000000000000" pitchFamily="65" charset="-120"/>
-                <a:hlinkClick r:id="rId4"/>
-              </a:rPr>
-              <a:t>http://</a:t>
-            </a:r>
-            <a:r>
-              <a:rPr lang="en-US" altLang="zh-TW" dirty="0" smtClean="0">
-                <a:latin typeface="標楷體" panose="03000509000000000000" pitchFamily="65" charset="-120"/>
-                <a:ea typeface="標楷體" panose="03000509000000000000" pitchFamily="65" charset="-120"/>
-                <a:hlinkClick r:id="rId4"/>
-              </a:rPr>
-              <a:t>wenjunoy.com/2016/01/logistic-sigmoid-function.html</a:t>
-            </a:r>
-            <a:r>
-              <a:rPr lang="zh-TW" altLang="en-US" dirty="0" smtClean="0">
-                <a:latin typeface="標楷體" panose="03000509000000000000" pitchFamily="65" charset="-120"/>
-                <a:ea typeface="標楷體" panose="03000509000000000000" pitchFamily="65" charset="-120"/>
-              </a:rPr>
-              <a:t> ─</a:t>
-            </a:r>
-            <a:r>
-              <a:rPr lang="en-US" altLang="zh-TW" dirty="0" smtClean="0">
-                <a:latin typeface="標楷體" panose="03000509000000000000" pitchFamily="65" charset="-120"/>
-                <a:ea typeface="標楷體" panose="03000509000000000000" pitchFamily="65" charset="-120"/>
-              </a:rPr>
-              <a:t>wenjunoy_blog</a:t>
-            </a:r>
-          </a:p>
-          <a:p>
-            <a:r>
-              <a:rPr lang="en-US" altLang="zh-TW" dirty="0">
-                <a:latin typeface="標楷體" panose="03000509000000000000" pitchFamily="65" charset="-120"/>
-                <a:ea typeface="標楷體" panose="03000509000000000000" pitchFamily="65" charset="-120"/>
-                <a:hlinkClick r:id="rId5"/>
-              </a:rPr>
-              <a:t>https://</a:t>
-            </a:r>
-            <a:r>
-              <a:rPr lang="en-US" altLang="zh-TW" dirty="0" smtClean="0">
-                <a:latin typeface="標楷體" panose="03000509000000000000" pitchFamily="65" charset="-120"/>
-                <a:ea typeface="標楷體" panose="03000509000000000000" pitchFamily="65" charset="-120"/>
-                <a:hlinkClick r:id="rId5"/>
-              </a:rPr>
-              <a:t>read01.com/zkNKnm.html</a:t>
-            </a:r>
-            <a:r>
-              <a:rPr lang="en-US" altLang="zh-TW" dirty="0" smtClean="0">
-                <a:latin typeface="標楷體" panose="03000509000000000000" pitchFamily="65" charset="-120"/>
-                <a:ea typeface="標楷體" panose="03000509000000000000" pitchFamily="65" charset="-120"/>
-              </a:rPr>
-              <a:t> </a:t>
-            </a:r>
-            <a:r>
-              <a:rPr lang="zh-TW" altLang="en-US" dirty="0" smtClean="0">
-                <a:latin typeface="標楷體" panose="03000509000000000000" pitchFamily="65" charset="-120"/>
-                <a:ea typeface="標楷體" panose="03000509000000000000" pitchFamily="65" charset="-120"/>
-              </a:rPr>
-              <a:t>─壹讀</a:t>
-            </a:r>
-            <a:endParaRPr lang="zh-TW" altLang="en-US" dirty="0">
-              <a:latin typeface="標楷體" panose="03000509000000000000" pitchFamily="65" charset="-120"/>
-              <a:ea typeface="標楷體" panose="03000509000000000000" pitchFamily="65" charset="-120"/>
-            </a:endParaRPr>
-          </a:p>
-        </p:txBody>
-      </p:sp>
+      <p:pic>
+        <p:nvPicPr>
+          <p:cNvPr id="5" name="圖片 4"/>
+          <p:cNvPicPr>
+            <a:picLocks noChangeAspect="1"/>
+          </p:cNvPicPr>
+          <p:nvPr/>
+        </p:nvPicPr>
+        <p:blipFill>
+          <a:blip r:embed="rId2">
+            <a:extLst>
+              <a:ext uri="{28A0092B-C50C-407E-A947-70E740481C1C}">
+                <a14:useLocalDpi xmlns:a14="http://schemas.microsoft.com/office/drawing/2010/main" val="0"/>
+              </a:ext>
+            </a:extLst>
+          </a:blip>
+          <a:stretch>
+            <a:fillRect/>
+          </a:stretch>
+        </p:blipFill>
+        <p:spPr>
+          <a:xfrm>
+            <a:off x="516353" y="1772239"/>
+            <a:ext cx="8351534" cy="5085761"/>
+          </a:xfrm>
+          <a:prstGeom prst="rect">
+            <a:avLst/>
+          </a:prstGeom>
+        </p:spPr>
+      </p:pic>
     </p:spTree>
     <p:extLst>
       <p:ext uri="{BB962C8B-B14F-4D97-AF65-F5344CB8AC3E}">
-        <p14:creationId xmlns:p14="http://schemas.microsoft.com/office/powerpoint/2010/main" val="989892315"/>
+        <p14:creationId xmlns:p14="http://schemas.microsoft.com/office/powerpoint/2010/main" val="2442875625"/>
       </p:ext>
     </p:extLst>
   </p:cSld>
   <p:clrMapOvr>
     <a:masterClrMapping/>
   </p:clrMapOvr>
-  <p:timing>
-    <p:tnLst>
-      <p:par>
-        <p:cTn id="1" dur="indefinite" restart="never" nodeType="tmRoot"/>
-      </p:par>
-    </p:tnLst>
-  </p:timing>
+</p:sld>
+</file>
+
+<file path=ppt/slides/slide9.xml><?xml version="1.0" encoding="utf-8"?>
+<p:sld xmlns:a="http://schemas.openxmlformats.org/drawingml/2006/main" xmlns:r="http://schemas.openxmlformats.org/officeDocument/2006/relationships" xmlns:p="http://schemas.openxmlformats.org/presentationml/2006/main">
+  <p:cSld>
+    <p:spTree>
+      <p:nvGrpSpPr>
+        <p:cNvPr id="1" name=""/>
+        <p:cNvGrpSpPr/>
+        <p:nvPr/>
+      </p:nvGrpSpPr>
+      <p:grpSpPr>
+        <a:xfrm>
+          <a:off x="0" y="0"/>
+          <a:ext cx="0" cy="0"/>
+          <a:chOff x="0" y="0"/>
+          <a:chExt cx="0" cy="0"/>
+        </a:xfrm>
+      </p:grpSpPr>
+      <p:sp>
+        <p:nvSpPr>
+          <p:cNvPr id="4" name="標題 1"/>
+          <p:cNvSpPr>
+            <a:spLocks noGrp="1"/>
+          </p:cNvSpPr>
+          <p:nvPr>
+            <p:ph type="title"/>
+          </p:nvPr>
+        </p:nvSpPr>
+        <p:spPr>
+          <a:xfrm>
+            <a:off x="677333" y="609600"/>
+            <a:ext cx="8932831" cy="1320800"/>
+          </a:xfrm>
+        </p:spPr>
+        <p:txBody>
+          <a:bodyPr>
+            <a:normAutofit/>
+          </a:bodyPr>
+          <a:lstStyle/>
+          <a:p>
+            <a:pPr algn="ctr"/>
+            <a:r>
+              <a:rPr lang="zh-TW" altLang="en-US" dirty="0" smtClean="0">
+                <a:latin typeface="標楷體" panose="03000509000000000000" pitchFamily="65" charset="-120"/>
+                <a:ea typeface="標楷體" panose="03000509000000000000" pitchFamily="65" charset="-120"/>
+              </a:rPr>
+              <a:t>範例實</a:t>
+            </a:r>
+            <a:r>
+              <a:rPr lang="zh-TW" altLang="en-US" dirty="0" smtClean="0">
+                <a:latin typeface="標楷體" panose="03000509000000000000" pitchFamily="65" charset="-120"/>
+                <a:ea typeface="標楷體" panose="03000509000000000000" pitchFamily="65" charset="-120"/>
+              </a:rPr>
+              <a:t>作─</a:t>
+            </a:r>
+            <a:r>
+              <a:rPr lang="zh-TW" altLang="en-US" dirty="0" smtClean="0">
+                <a:latin typeface="標楷體" panose="03000509000000000000" pitchFamily="65" charset="-120"/>
+                <a:ea typeface="標楷體" panose="03000509000000000000" pitchFamily="65" charset="-120"/>
+              </a:rPr>
+              <a:t>程式碼介紹</a:t>
+            </a:r>
+            <a:r>
+              <a:rPr lang="en-US" altLang="zh-TW" dirty="0" smtClean="0">
+                <a:latin typeface="標楷體" panose="03000509000000000000" pitchFamily="65" charset="-120"/>
+                <a:ea typeface="標楷體" panose="03000509000000000000" pitchFamily="65" charset="-120"/>
+              </a:rPr>
+              <a:t/>
+            </a:r>
+            <a:br>
+              <a:rPr lang="en-US" altLang="zh-TW" dirty="0" smtClean="0">
+                <a:latin typeface="標楷體" panose="03000509000000000000" pitchFamily="65" charset="-120"/>
+                <a:ea typeface="標楷體" panose="03000509000000000000" pitchFamily="65" charset="-120"/>
+              </a:rPr>
+            </a:br>
+            <a:r>
+              <a:rPr lang="en-US" altLang="zh-TW" dirty="0" smtClean="0">
+                <a:latin typeface="標楷體" panose="03000509000000000000" pitchFamily="65" charset="-120"/>
+                <a:ea typeface="標楷體" panose="03000509000000000000" pitchFamily="65" charset="-120"/>
+              </a:rPr>
+              <a:t>sigmoid</a:t>
+            </a:r>
+            <a:r>
+              <a:rPr lang="zh-TW" altLang="en-US" dirty="0" smtClean="0">
+                <a:latin typeface="標楷體" panose="03000509000000000000" pitchFamily="65" charset="-120"/>
+                <a:ea typeface="標楷體" panose="03000509000000000000" pitchFamily="65" charset="-120"/>
+              </a:rPr>
+              <a:t>與梯度下降函式</a:t>
+            </a:r>
+            <a:endParaRPr lang="zh-TW" altLang="en-US" dirty="0">
+              <a:latin typeface="標楷體" panose="03000509000000000000" pitchFamily="65" charset="-120"/>
+              <a:ea typeface="標楷體" panose="03000509000000000000" pitchFamily="65" charset="-120"/>
+            </a:endParaRPr>
+          </a:p>
+        </p:txBody>
+      </p:sp>
+      <p:pic>
+        <p:nvPicPr>
+          <p:cNvPr id="6" name="圖片 5"/>
+          <p:cNvPicPr>
+            <a:picLocks noChangeAspect="1"/>
+          </p:cNvPicPr>
+          <p:nvPr/>
+        </p:nvPicPr>
+        <p:blipFill>
+          <a:blip r:embed="rId2">
+            <a:extLst>
+              <a:ext uri="{28A0092B-C50C-407E-A947-70E740481C1C}">
+                <a14:useLocalDpi xmlns:a14="http://schemas.microsoft.com/office/drawing/2010/main" val="0"/>
+              </a:ext>
+            </a:extLst>
+          </a:blip>
+          <a:stretch>
+            <a:fillRect/>
+          </a:stretch>
+        </p:blipFill>
+        <p:spPr>
+          <a:xfrm>
+            <a:off x="818735" y="2037986"/>
+            <a:ext cx="4291649" cy="611413"/>
+          </a:xfrm>
+          <a:prstGeom prst="rect">
+            <a:avLst/>
+          </a:prstGeom>
+        </p:spPr>
+      </p:pic>
+      <p:pic>
+        <p:nvPicPr>
+          <p:cNvPr id="7" name="圖片 6"/>
+          <p:cNvPicPr>
+            <a:picLocks noChangeAspect="1"/>
+          </p:cNvPicPr>
+          <p:nvPr/>
+        </p:nvPicPr>
+        <p:blipFill>
+          <a:blip r:embed="rId3">
+            <a:extLst>
+              <a:ext uri="{28A0092B-C50C-407E-A947-70E740481C1C}">
+                <a14:useLocalDpi xmlns:a14="http://schemas.microsoft.com/office/drawing/2010/main" val="0"/>
+              </a:ext>
+            </a:extLst>
+          </a:blip>
+          <a:stretch>
+            <a:fillRect/>
+          </a:stretch>
+        </p:blipFill>
+        <p:spPr>
+          <a:xfrm>
+            <a:off x="818735" y="2731631"/>
+            <a:ext cx="7674815" cy="4126369"/>
+          </a:xfrm>
+          <a:prstGeom prst="rect">
+            <a:avLst/>
+          </a:prstGeom>
+        </p:spPr>
+      </p:pic>
+    </p:spTree>
+    <p:extLst>
+      <p:ext uri="{BB962C8B-B14F-4D97-AF65-F5344CB8AC3E}">
+        <p14:creationId xmlns:p14="http://schemas.microsoft.com/office/powerpoint/2010/main" val="2557072661"/>
+      </p:ext>
+    </p:extLst>
+  </p:cSld>
+  <p:clrMapOvr>
+    <a:masterClrMapping/>
+  </p:clrMapOvr>
 </p:sld>
 </file>
 
